--- a/events/2018-neo-blockchain-cleveland/NEO Blockchain-Cleveland-20180314 Meetup-WIP.pptx
+++ b/events/2018-neo-blockchain-cleveland/NEO Blockchain-Cleveland-20180314 Meetup-WIP.pptx
@@ -3742,7 +3742,7 @@
           <a:p>
             <a:fld id="{8C96CAC6-5EE5-4DF8-BED8-337C55BC9982}" type="datetimeFigureOut">
               <a:rPr lang="en-CA" smtClean="0"/>
-              <a:t>2018-02-22</a:t>
+              <a:t>2018-02-23</a:t>
             </a:fld>
             <a:endParaRPr lang="en-CA"/>
           </a:p>
@@ -10081,7 +10081,15 @@
             <a:pPr algn="ctr"/>
             <a:r>
               <a:rPr lang="en-CA" dirty="0"/>
-              <a:t>“Genesis Block 0” Meetup – March 24, 2018</a:t>
+              <a:t>“Genesis Block 0” Meetup – </a:t>
+            </a:r>
+            <a:r>
+              <a:rPr lang="en-CA"/>
+              <a:t>March 14</a:t>
+            </a:r>
+            <a:r>
+              <a:rPr lang="en-CA" dirty="0"/>
+              <a:t>, 2018</a:t>
             </a:r>
           </a:p>
           <a:p>
@@ -21101,7 +21109,7 @@
           </a:ln>
           <a:extLst>
             <a:ext uri="{C572A759-6A51-4108-AA02-DFA0A04FC94B}">
-              <ma14:wrappingTextBoxFlag xmlns="" xmlns:ma14="http://schemas.microsoft.com/office/mac/drawingml/2011/main" val="1"/>
+              <ma14:wrappingTextBoxFlag xmlns:ma14="http://schemas.microsoft.com/office/mac/drawingml/2011/main" xmlns="" val="1"/>
             </a:ext>
           </a:extLst>
         </p:spPr>
@@ -21144,7 +21152,7 @@
           </a:ln>
           <a:extLst>
             <a:ext uri="{C572A759-6A51-4108-AA02-DFA0A04FC94B}">
-              <ma14:wrappingTextBoxFlag xmlns="" xmlns:ma14="http://schemas.microsoft.com/office/mac/drawingml/2011/main" val="1"/>
+              <ma14:wrappingTextBoxFlag xmlns:ma14="http://schemas.microsoft.com/office/mac/drawingml/2011/main" xmlns="" val="1"/>
             </a:ext>
           </a:extLst>
         </p:spPr>
@@ -21188,7 +21196,7 @@
           </a:ln>
           <a:extLst>
             <a:ext uri="{C572A759-6A51-4108-AA02-DFA0A04FC94B}">
-              <ma14:wrappingTextBoxFlag xmlns="" xmlns:ma14="http://schemas.microsoft.com/office/mac/drawingml/2011/main" val="1"/>
+              <ma14:wrappingTextBoxFlag xmlns:ma14="http://schemas.microsoft.com/office/mac/drawingml/2011/main" xmlns="" val="1"/>
             </a:ext>
           </a:extLst>
         </p:spPr>
@@ -21232,7 +21240,7 @@
           </a:ln>
           <a:extLst>
             <a:ext uri="{C572A759-6A51-4108-AA02-DFA0A04FC94B}">
-              <ma14:wrappingTextBoxFlag xmlns="" xmlns:ma14="http://schemas.microsoft.com/office/mac/drawingml/2011/main" val="1"/>
+              <ma14:wrappingTextBoxFlag xmlns:ma14="http://schemas.microsoft.com/office/mac/drawingml/2011/main" xmlns="" val="1"/>
             </a:ext>
           </a:extLst>
         </p:spPr>
